--- a/CP476-Presentation-Teach-It.pptx
+++ b/CP476-Presentation-Teach-It.pptx
@@ -219,7 +219,7 @@
           <a:p>
             <a:fld id="{095444B4-2E53-4607-B158-6EAA1F1167AE}" type="datetimeFigureOut">
               <a:rPr lang="en-CA" smtClean="0"/>
-              <a:t>2019-04-04</a:t>
+              <a:t>2019-04-05</a:t>
             </a:fld>
             <a:endParaRPr lang="en-CA"/>
           </a:p>
@@ -5139,7 +5139,7 @@
           <p:cNvPr id="6" name="Rectangle 5">
             <a:extLst>
               <a:ext uri="{FF2B5EF4-FFF2-40B4-BE49-F238E27FC236}">
-                <a16:creationId xmlns:a16="http://schemas.microsoft.com/office/drawing/2014/main" xmlns="" id="{001ED127-81B3-4744-8C2A-6991397A1FD4}"/>
+                <a16:creationId xmlns="" xmlns:a16="http://schemas.microsoft.com/office/drawing/2014/main" id="{001ED127-81B3-4744-8C2A-6991397A1FD4}"/>
               </a:ext>
             </a:extLst>
           </p:cNvPr>
@@ -7359,7 +7359,7 @@
           <p:cNvPr id="4" name="Text Placeholder 3">
             <a:extLst>
               <a:ext uri="{FF2B5EF4-FFF2-40B4-BE49-F238E27FC236}">
-                <a16:creationId xmlns:a16="http://schemas.microsoft.com/office/drawing/2014/main" xmlns="" id="{6A44745B-5146-4921-B841-ECCC373B7BC1}"/>
+                <a16:creationId xmlns="" xmlns:a16="http://schemas.microsoft.com/office/drawing/2014/main" id="{6A44745B-5146-4921-B841-ECCC373B7BC1}"/>
               </a:ext>
             </a:extLst>
           </p:cNvPr>
@@ -7398,7 +7398,7 @@
           <p:cNvPr id="8" name="Text Placeholder 3">
             <a:extLst>
               <a:ext uri="{FF2B5EF4-FFF2-40B4-BE49-F238E27FC236}">
-                <a16:creationId xmlns:a16="http://schemas.microsoft.com/office/drawing/2014/main" xmlns="" id="{DA1CB213-DFA9-4ACB-BE5D-15379B6E5281}"/>
+                <a16:creationId xmlns="" xmlns:a16="http://schemas.microsoft.com/office/drawing/2014/main" id="{DA1CB213-DFA9-4ACB-BE5D-15379B6E5281}"/>
               </a:ext>
             </a:extLst>
           </p:cNvPr>
@@ -7654,7 +7654,7 @@
           <p:cNvPr id="32" name="TextBox 31">
             <a:extLst>
               <a:ext uri="{FF2B5EF4-FFF2-40B4-BE49-F238E27FC236}">
-                <a16:creationId xmlns:a16="http://schemas.microsoft.com/office/drawing/2014/main" xmlns="" id="{B40F5B0D-54F3-429B-A12A-BCB021E3DC50}"/>
+                <a16:creationId xmlns="" xmlns:a16="http://schemas.microsoft.com/office/drawing/2014/main" id="{B40F5B0D-54F3-429B-A12A-BCB021E3DC50}"/>
               </a:ext>
             </a:extLst>
           </p:cNvPr>
@@ -7709,7 +7709,7 @@
           <p:cNvPr id="33" name="TextBox 32">
             <a:extLst>
               <a:ext uri="{FF2B5EF4-FFF2-40B4-BE49-F238E27FC236}">
-                <a16:creationId xmlns:a16="http://schemas.microsoft.com/office/drawing/2014/main" xmlns="" id="{166F8136-BF5B-4418-8D60-5C639996EEF5}"/>
+                <a16:creationId xmlns="" xmlns:a16="http://schemas.microsoft.com/office/drawing/2014/main" id="{166F8136-BF5B-4418-8D60-5C639996EEF5}"/>
               </a:ext>
             </a:extLst>
           </p:cNvPr>
@@ -7764,7 +7764,7 @@
           <p:cNvPr id="35" name="TextBox 34">
             <a:extLst>
               <a:ext uri="{FF2B5EF4-FFF2-40B4-BE49-F238E27FC236}">
-                <a16:creationId xmlns:a16="http://schemas.microsoft.com/office/drawing/2014/main" xmlns="" id="{BFAB227F-F254-4E01-B9A7-C8F97AC7982E}"/>
+                <a16:creationId xmlns="" xmlns:a16="http://schemas.microsoft.com/office/drawing/2014/main" id="{BFAB227F-F254-4E01-B9A7-C8F97AC7982E}"/>
               </a:ext>
             </a:extLst>
           </p:cNvPr>
@@ -7819,7 +7819,7 @@
           <p:cNvPr id="3" name="Rectangle 2">
             <a:extLst>
               <a:ext uri="{FF2B5EF4-FFF2-40B4-BE49-F238E27FC236}">
-                <a16:creationId xmlns:a16="http://schemas.microsoft.com/office/drawing/2014/main" xmlns="" id="{80458638-4388-40B5-A298-60A33711A391}"/>
+                <a16:creationId xmlns="" xmlns:a16="http://schemas.microsoft.com/office/drawing/2014/main" id="{80458638-4388-40B5-A298-60A33711A391}"/>
               </a:ext>
             </a:extLst>
           </p:cNvPr>
@@ -7953,7 +7953,7 @@
           <p:cNvPr id="3" name="Rectangle 2">
             <a:extLst>
               <a:ext uri="{FF2B5EF4-FFF2-40B4-BE49-F238E27FC236}">
-                <a16:creationId xmlns:a16="http://schemas.microsoft.com/office/drawing/2014/main" xmlns="" id="{80458638-4388-40B5-A298-60A33711A391}"/>
+                <a16:creationId xmlns="" xmlns:a16="http://schemas.microsoft.com/office/drawing/2014/main" id="{80458638-4388-40B5-A298-60A33711A391}"/>
               </a:ext>
             </a:extLst>
           </p:cNvPr>
@@ -8002,44 +8002,6 @@
                 <a:cs typeface="Calibri Light" panose="020F0302020204030204" pitchFamily="34" charset="0"/>
               </a:rPr>
               <a:t> </a:t>
-            </a:r>
-          </a:p>
-          <a:p>
-            <a:pPr marL="285750" indent="-285750">
-              <a:buFont typeface="Wingdings" panose="05000000000000000000" pitchFamily="2" charset="2"/>
-              <a:buChar char="ü"/>
-            </a:pPr>
-            <a:r>
-              <a:rPr lang="en-CA" altLang="ko-KR" sz="3000" dirty="0">
-                <a:solidFill>
-                  <a:schemeClr val="bg1">
-                    <a:lumMod val="50000"/>
-                  </a:schemeClr>
-                </a:solidFill>
-                <a:latin typeface="Calibri Light" panose="020F0302020204030204" pitchFamily="34" charset="0"/>
-                <a:ea typeface="Microsoft YaHei Light" panose="020B0502040204020203" pitchFamily="34" charset="-122"/>
-                <a:cs typeface="Calibri Light" panose="020F0302020204030204" pitchFamily="34" charset="0"/>
-              </a:rPr>
-              <a:t> HTML</a:t>
-            </a:r>
-          </a:p>
-          <a:p>
-            <a:pPr marL="285750" indent="-285750">
-              <a:buFont typeface="Wingdings" panose="05000000000000000000" pitchFamily="2" charset="2"/>
-              <a:buChar char="ü"/>
-            </a:pPr>
-            <a:r>
-              <a:rPr lang="en-CA" altLang="ko-KR" sz="3000" dirty="0">
-                <a:solidFill>
-                  <a:schemeClr val="bg1">
-                    <a:lumMod val="50000"/>
-                  </a:schemeClr>
-                </a:solidFill>
-                <a:latin typeface="Calibri Light" panose="020F0302020204030204" pitchFamily="34" charset="0"/>
-                <a:ea typeface="Microsoft YaHei Light" panose="020B0502040204020203" pitchFamily="34" charset="-122"/>
-                <a:cs typeface="Calibri Light" panose="020F0302020204030204" pitchFamily="34" charset="0"/>
-              </a:rPr>
-              <a:t> JavaScript</a:t>
             </a:r>
           </a:p>
           <a:p>
@@ -8071,8 +8033,79 @@
                 <a:ea typeface="Microsoft YaHei Light" panose="020B0502040204020203" pitchFamily="34" charset="-122"/>
                 <a:cs typeface="Calibri Light" panose="020F0302020204030204" pitchFamily="34" charset="0"/>
               </a:rPr>
-              <a:t>Ajax</a:t>
+              <a:t>HTML</a:t>
             </a:r>
+          </a:p>
+          <a:p>
+            <a:pPr marL="285750" indent="-285750">
+              <a:buFont typeface="Wingdings" panose="05000000000000000000" pitchFamily="2" charset="2"/>
+              <a:buChar char="ü"/>
+            </a:pPr>
+            <a:r>
+              <a:rPr lang="en-CA" altLang="ko-KR" sz="3000" dirty="0" smtClean="0">
+                <a:solidFill>
+                  <a:schemeClr val="bg1">
+                    <a:lumMod val="50000"/>
+                  </a:schemeClr>
+                </a:solidFill>
+                <a:latin typeface="Calibri Light" panose="020F0302020204030204" pitchFamily="34" charset="0"/>
+                <a:ea typeface="Microsoft YaHei Light" panose="020B0502040204020203" pitchFamily="34" charset="-122"/>
+                <a:cs typeface="Calibri Light" panose="020F0302020204030204" pitchFamily="34" charset="0"/>
+              </a:rPr>
+              <a:t> CSS</a:t>
+            </a:r>
+            <a:endParaRPr lang="en-CA" altLang="ko-KR" sz="3000" dirty="0">
+              <a:solidFill>
+                <a:schemeClr val="bg1">
+                  <a:lumMod val="50000"/>
+                </a:schemeClr>
+              </a:solidFill>
+              <a:latin typeface="Calibri Light" panose="020F0302020204030204" pitchFamily="34" charset="0"/>
+              <a:ea typeface="Microsoft YaHei Light" panose="020B0502040204020203" pitchFamily="34" charset="-122"/>
+              <a:cs typeface="Calibri Light" panose="020F0302020204030204" pitchFamily="34" charset="0"/>
+            </a:endParaRPr>
+          </a:p>
+          <a:p>
+            <a:pPr marL="285750" indent="-285750">
+              <a:buFont typeface="Wingdings" panose="05000000000000000000" pitchFamily="2" charset="2"/>
+              <a:buChar char="ü"/>
+            </a:pPr>
+            <a:r>
+              <a:rPr lang="en-CA" altLang="ko-KR" sz="3000" dirty="0">
+                <a:solidFill>
+                  <a:schemeClr val="bg1">
+                    <a:lumMod val="50000"/>
+                  </a:schemeClr>
+                </a:solidFill>
+                <a:latin typeface="Calibri Light" panose="020F0302020204030204" pitchFamily="34" charset="0"/>
+                <a:ea typeface="Microsoft YaHei Light" panose="020B0502040204020203" pitchFamily="34" charset="-122"/>
+                <a:cs typeface="Calibri Light" panose="020F0302020204030204" pitchFamily="34" charset="0"/>
+              </a:rPr>
+              <a:t> </a:t>
+            </a:r>
+            <a:r>
+              <a:rPr lang="en-CA" altLang="ko-KR" sz="3000" dirty="0" smtClean="0">
+                <a:solidFill>
+                  <a:schemeClr val="bg1">
+                    <a:lumMod val="50000"/>
+                  </a:schemeClr>
+                </a:solidFill>
+                <a:latin typeface="Calibri Light" panose="020F0302020204030204" pitchFamily="34" charset="0"/>
+                <a:ea typeface="Microsoft YaHei Light" panose="020B0502040204020203" pitchFamily="34" charset="-122"/>
+                <a:cs typeface="Calibri Light" panose="020F0302020204030204" pitchFamily="34" charset="0"/>
+              </a:rPr>
+              <a:t>JavaScript</a:t>
+            </a:r>
+            <a:endParaRPr lang="en-CA" altLang="ko-KR" sz="3000" dirty="0" smtClean="0">
+              <a:solidFill>
+                <a:schemeClr val="bg1">
+                  <a:lumMod val="50000"/>
+                </a:schemeClr>
+              </a:solidFill>
+              <a:latin typeface="Calibri Light" panose="020F0302020204030204" pitchFamily="34" charset="0"/>
+              <a:ea typeface="Microsoft YaHei Light" panose="020B0502040204020203" pitchFamily="34" charset="-122"/>
+              <a:cs typeface="Calibri Light" panose="020F0302020204030204" pitchFamily="34" charset="0"/>
+            </a:endParaRPr>
           </a:p>
           <a:p>
             <a:pPr marL="285750" indent="-285750">
@@ -8137,7 +8170,7 @@
           <p:cNvPr id="4" name="Rectangle 3">
             <a:extLst>
               <a:ext uri="{FF2B5EF4-FFF2-40B4-BE49-F238E27FC236}">
-                <a16:creationId xmlns:a16="http://schemas.microsoft.com/office/drawing/2014/main" xmlns="" id="{13131EB0-3D77-46DD-8180-FA0F878BF71E}"/>
+                <a16:creationId xmlns="" xmlns:a16="http://schemas.microsoft.com/office/drawing/2014/main" id="{13131EB0-3D77-46DD-8180-FA0F878BF71E}"/>
               </a:ext>
             </a:extLst>
           </p:cNvPr>
@@ -8269,7 +8302,7 @@
           <p:cNvPr id="5" name="Rectangle 4">
             <a:extLst>
               <a:ext uri="{FF2B5EF4-FFF2-40B4-BE49-F238E27FC236}">
-                <a16:creationId xmlns:a16="http://schemas.microsoft.com/office/drawing/2014/main" xmlns="" id="{A0B16A6E-D9CC-41F0-BCEB-8F9E5573C291}"/>
+                <a16:creationId xmlns="" xmlns:a16="http://schemas.microsoft.com/office/drawing/2014/main" id="{A0B16A6E-D9CC-41F0-BCEB-8F9E5573C291}"/>
               </a:ext>
             </a:extLst>
           </p:cNvPr>
@@ -8383,7 +8416,7 @@
           <p:cNvPr id="6" name="Text Placeholder 1">
             <a:extLst>
               <a:ext uri="{FF2B5EF4-FFF2-40B4-BE49-F238E27FC236}">
-                <a16:creationId xmlns:a16="http://schemas.microsoft.com/office/drawing/2014/main" xmlns="" id="{1A2E00B5-A5F9-41B0-AB0A-19F0D70CC3D8}"/>
+                <a16:creationId xmlns="" xmlns:a16="http://schemas.microsoft.com/office/drawing/2014/main" id="{1A2E00B5-A5F9-41B0-AB0A-19F0D70CC3D8}"/>
               </a:ext>
             </a:extLst>
           </p:cNvPr>
@@ -8436,7 +8469,7 @@
           <p:cNvPr id="7" name="Group 6">
             <a:extLst>
               <a:ext uri="{FF2B5EF4-FFF2-40B4-BE49-F238E27FC236}">
-                <a16:creationId xmlns:a16="http://schemas.microsoft.com/office/drawing/2014/main" xmlns="" id="{3C6791FF-BF34-421B-A2F7-EAD292E10457}"/>
+                <a16:creationId xmlns="" xmlns:a16="http://schemas.microsoft.com/office/drawing/2014/main" id="{3C6791FF-BF34-421B-A2F7-EAD292E10457}"/>
               </a:ext>
             </a:extLst>
           </p:cNvPr>
@@ -8456,7 +8489,7 @@
             <p:cNvPr id="4" name="Picture 3">
               <a:extLst>
                 <a:ext uri="{FF2B5EF4-FFF2-40B4-BE49-F238E27FC236}">
-                  <a16:creationId xmlns:a16="http://schemas.microsoft.com/office/drawing/2014/main" xmlns="" id="{00A877A9-B097-42A6-BC0D-7D90BA96FD48}"/>
+                  <a16:creationId xmlns="" xmlns:a16="http://schemas.microsoft.com/office/drawing/2014/main" id="{00A877A9-B097-42A6-BC0D-7D90BA96FD48}"/>
                 </a:ext>
               </a:extLst>
             </p:cNvPr>
@@ -8491,7 +8524,7 @@
             <p:cNvPr id="5" name="Picture 4">
               <a:extLst>
                 <a:ext uri="{FF2B5EF4-FFF2-40B4-BE49-F238E27FC236}">
-                  <a16:creationId xmlns:a16="http://schemas.microsoft.com/office/drawing/2014/main" xmlns="" id="{69468318-FC2C-4AA4-B6DF-A8C0A9924019}"/>
+                  <a16:creationId xmlns="" xmlns:a16="http://schemas.microsoft.com/office/drawing/2014/main" id="{69468318-FC2C-4AA4-B6DF-A8C0A9924019}"/>
                 </a:ext>
               </a:extLst>
             </p:cNvPr>
@@ -8599,7 +8632,7 @@
           <p:cNvPr id="3" name="Rectangle 2">
             <a:extLst>
               <a:ext uri="{FF2B5EF4-FFF2-40B4-BE49-F238E27FC236}">
-                <a16:creationId xmlns:a16="http://schemas.microsoft.com/office/drawing/2014/main" xmlns="" id="{80458638-4388-40B5-A298-60A33711A391}"/>
+                <a16:creationId xmlns="" xmlns:a16="http://schemas.microsoft.com/office/drawing/2014/main" id="{80458638-4388-40B5-A298-60A33711A391}"/>
               </a:ext>
             </a:extLst>
           </p:cNvPr>
@@ -8645,7 +8678,7 @@
           <p:cNvPr id="5" name="Picture 4">
             <a:extLst>
               <a:ext uri="{FF2B5EF4-FFF2-40B4-BE49-F238E27FC236}">
-                <a16:creationId xmlns:a16="http://schemas.microsoft.com/office/drawing/2014/main" xmlns="" id="{DB291BAE-E0B1-44E5-9F28-DCE59232CF6C}"/>
+                <a16:creationId xmlns="" xmlns:a16="http://schemas.microsoft.com/office/drawing/2014/main" id="{DB291BAE-E0B1-44E5-9F28-DCE59232CF6C}"/>
               </a:ext>
             </a:extLst>
           </p:cNvPr>
@@ -8681,7 +8714,7 @@
           <p:cNvPr id="7" name="Picture 6">
             <a:extLst>
               <a:ext uri="{FF2B5EF4-FFF2-40B4-BE49-F238E27FC236}">
-                <a16:creationId xmlns:a16="http://schemas.microsoft.com/office/drawing/2014/main" xmlns="" id="{11ECA440-5105-40EB-8AF4-0A0C788C50B2}"/>
+                <a16:creationId xmlns="" xmlns:a16="http://schemas.microsoft.com/office/drawing/2014/main" id="{11ECA440-5105-40EB-8AF4-0A0C788C50B2}"/>
               </a:ext>
             </a:extLst>
           </p:cNvPr>
@@ -8747,7 +8780,7 @@
           <p:cNvPr id="3" name="Rectangle 2">
             <a:extLst>
               <a:ext uri="{FF2B5EF4-FFF2-40B4-BE49-F238E27FC236}">
-                <a16:creationId xmlns:a16="http://schemas.microsoft.com/office/drawing/2014/main" xmlns="" id="{80458638-4388-40B5-A298-60A33711A391}"/>
+                <a16:creationId xmlns="" xmlns:a16="http://schemas.microsoft.com/office/drawing/2014/main" id="{80458638-4388-40B5-A298-60A33711A391}"/>
               </a:ext>
             </a:extLst>
           </p:cNvPr>
@@ -8825,7 +8858,7 @@
           <p:cNvPr id="5" name="Picture 4">
             <a:extLst>
               <a:ext uri="{FF2B5EF4-FFF2-40B4-BE49-F238E27FC236}">
-                <a16:creationId xmlns:a16="http://schemas.microsoft.com/office/drawing/2014/main" xmlns="" id="{0BA35215-1548-4DEB-B20B-395769074809}"/>
+                <a16:creationId xmlns="" xmlns:a16="http://schemas.microsoft.com/office/drawing/2014/main" id="{0BA35215-1548-4DEB-B20B-395769074809}"/>
               </a:ext>
             </a:extLst>
           </p:cNvPr>
@@ -8861,7 +8894,7 @@
           <p:cNvPr id="8" name="Text Placeholder 1">
             <a:extLst>
               <a:ext uri="{FF2B5EF4-FFF2-40B4-BE49-F238E27FC236}">
-                <a16:creationId xmlns:a16="http://schemas.microsoft.com/office/drawing/2014/main" xmlns="" id="{C28256FF-4F01-47BE-BAFE-02D5E49CA3F0}"/>
+                <a16:creationId xmlns="" xmlns:a16="http://schemas.microsoft.com/office/drawing/2014/main" id="{C28256FF-4F01-47BE-BAFE-02D5E49CA3F0}"/>
               </a:ext>
             </a:extLst>
           </p:cNvPr>
@@ -8914,7 +8947,7 @@
           <p:cNvPr id="10" name="Picture 9">
             <a:extLst>
               <a:ext uri="{FF2B5EF4-FFF2-40B4-BE49-F238E27FC236}">
-                <a16:creationId xmlns:a16="http://schemas.microsoft.com/office/drawing/2014/main" xmlns="" id="{64CD7AB3-8300-487D-A086-EDD0C70C80BE}"/>
+                <a16:creationId xmlns="" xmlns:a16="http://schemas.microsoft.com/office/drawing/2014/main" id="{64CD7AB3-8300-487D-A086-EDD0C70C80BE}"/>
               </a:ext>
             </a:extLst>
           </p:cNvPr>
@@ -8980,7 +9013,7 @@
           <p:cNvPr id="3" name="Rectangle 2">
             <a:extLst>
               <a:ext uri="{FF2B5EF4-FFF2-40B4-BE49-F238E27FC236}">
-                <a16:creationId xmlns:a16="http://schemas.microsoft.com/office/drawing/2014/main" xmlns="" id="{80458638-4388-40B5-A298-60A33711A391}"/>
+                <a16:creationId xmlns="" xmlns:a16="http://schemas.microsoft.com/office/drawing/2014/main" id="{80458638-4388-40B5-A298-60A33711A391}"/>
               </a:ext>
             </a:extLst>
           </p:cNvPr>
@@ -9072,7 +9105,7 @@
           <p:cNvPr id="6" name="Text Placeholder 1">
             <a:extLst>
               <a:ext uri="{FF2B5EF4-FFF2-40B4-BE49-F238E27FC236}">
-                <a16:creationId xmlns:a16="http://schemas.microsoft.com/office/drawing/2014/main" xmlns="" id="{1D3B1254-C1E3-4541-A06E-BAAEF4F23146}"/>
+                <a16:creationId xmlns="" xmlns:a16="http://schemas.microsoft.com/office/drawing/2014/main" id="{1D3B1254-C1E3-4541-A06E-BAAEF4F23146}"/>
               </a:ext>
             </a:extLst>
           </p:cNvPr>
@@ -9125,7 +9158,7 @@
           <p:cNvPr id="8" name="Picture 7">
             <a:extLst>
               <a:ext uri="{FF2B5EF4-FFF2-40B4-BE49-F238E27FC236}">
-                <a16:creationId xmlns:a16="http://schemas.microsoft.com/office/drawing/2014/main" xmlns="" id="{27F0538B-A9C1-48F2-993E-7AD1FCBAF778}"/>
+                <a16:creationId xmlns="" xmlns:a16="http://schemas.microsoft.com/office/drawing/2014/main" id="{27F0538B-A9C1-48F2-993E-7AD1FCBAF778}"/>
               </a:ext>
             </a:extLst>
           </p:cNvPr>
@@ -9191,7 +9224,7 @@
           <p:cNvPr id="3" name="Rectangle 2">
             <a:extLst>
               <a:ext uri="{FF2B5EF4-FFF2-40B4-BE49-F238E27FC236}">
-                <a16:creationId xmlns:a16="http://schemas.microsoft.com/office/drawing/2014/main" xmlns="" id="{80458638-4388-40B5-A298-60A33711A391}"/>
+                <a16:creationId xmlns="" xmlns:a16="http://schemas.microsoft.com/office/drawing/2014/main" id="{80458638-4388-40B5-A298-60A33711A391}"/>
               </a:ext>
             </a:extLst>
           </p:cNvPr>
@@ -9298,7 +9331,7 @@
           <p:cNvPr id="6" name="Text Placeholder 1">
             <a:extLst>
               <a:ext uri="{FF2B5EF4-FFF2-40B4-BE49-F238E27FC236}">
-                <a16:creationId xmlns:a16="http://schemas.microsoft.com/office/drawing/2014/main" xmlns="" id="{1A2E00B5-A5F9-41B0-AB0A-19F0D70CC3D8}"/>
+                <a16:creationId xmlns="" xmlns:a16="http://schemas.microsoft.com/office/drawing/2014/main" id="{1A2E00B5-A5F9-41B0-AB0A-19F0D70CC3D8}"/>
               </a:ext>
             </a:extLst>
           </p:cNvPr>
@@ -9351,7 +9384,7 @@
           <p:cNvPr id="8" name="Picture 7">
             <a:extLst>
               <a:ext uri="{FF2B5EF4-FFF2-40B4-BE49-F238E27FC236}">
-                <a16:creationId xmlns:a16="http://schemas.microsoft.com/office/drawing/2014/main" xmlns="" id="{CBB0FF9B-4162-4559-B055-A09ED27FE3D9}"/>
+                <a16:creationId xmlns="" xmlns:a16="http://schemas.microsoft.com/office/drawing/2014/main" id="{CBB0FF9B-4162-4559-B055-A09ED27FE3D9}"/>
               </a:ext>
             </a:extLst>
           </p:cNvPr>
@@ -9417,7 +9450,7 @@
           <p:cNvPr id="6" name="Text Placeholder 1">
             <a:extLst>
               <a:ext uri="{FF2B5EF4-FFF2-40B4-BE49-F238E27FC236}">
-                <a16:creationId xmlns:a16="http://schemas.microsoft.com/office/drawing/2014/main" xmlns="" id="{1A2E00B5-A5F9-41B0-AB0A-19F0D70CC3D8}"/>
+                <a16:creationId xmlns="" xmlns:a16="http://schemas.microsoft.com/office/drawing/2014/main" id="{1A2E00B5-A5F9-41B0-AB0A-19F0D70CC3D8}"/>
               </a:ext>
             </a:extLst>
           </p:cNvPr>
@@ -9470,7 +9503,7 @@
           <p:cNvPr id="8" name="TextBox 7">
             <a:extLst>
               <a:ext uri="{FF2B5EF4-FFF2-40B4-BE49-F238E27FC236}">
-                <a16:creationId xmlns:a16="http://schemas.microsoft.com/office/drawing/2014/main" xmlns="" id="{2B364D7E-7FA7-46BD-8C39-BE4389700264}"/>
+                <a16:creationId xmlns="" xmlns:a16="http://schemas.microsoft.com/office/drawing/2014/main" id="{2B364D7E-7FA7-46BD-8C39-BE4389700264}"/>
               </a:ext>
             </a:extLst>
           </p:cNvPr>

--- a/CP476-Presentation-Teach-It.pptx
+++ b/CP476-Presentation-Teach-It.pptx
@@ -8356,7 +8356,7 @@
               <a:buChar char="ü"/>
             </a:pPr>
             <a:r>
-              <a:rPr lang="en-CA" altLang="ko-KR" sz="3000" dirty="0">
+              <a:rPr lang="en-CA" altLang="ko-KR" sz="3000" dirty="0" smtClean="0">
                 <a:solidFill>
                   <a:schemeClr val="bg1">
                     <a:lumMod val="50000"/>
@@ -8366,7 +8366,7 @@
                 <a:ea typeface="Microsoft YaHei Light" panose="020B0502040204020203" pitchFamily="34" charset="-122"/>
                 <a:cs typeface="Calibri Light" panose="020F0302020204030204" pitchFamily="34" charset="0"/>
               </a:rPr>
-              <a:t> Socket IO</a:t>
+              <a:t>Pusher</a:t>
             </a:r>
             <a:endParaRPr lang="en-US" altLang="ko-KR" sz="3000" dirty="0">
               <a:solidFill>
